--- a/events/2020-09-11/slides/00-index.pptx
+++ b/events/2020-09-11/slides/00-index.pptx
@@ -225,7 +225,7 @@
             <a:fld id="{35305EB0-020F-4995-961E-A35B2BB78D2B}" type="datetimeFigureOut">
               <a:rPr kumimoji="1" lang="ja-JP" altLang="en-US" smtClean="0"/>
               <a:pPr/>
-              <a:t>2020/9/2</a:t>
+              <a:t>2020/9/4</a:t>
             </a:fld>
             <a:endParaRPr kumimoji="1" lang="ja-JP" altLang="en-US"/>
           </a:p>
@@ -52260,16 +52260,17 @@
         </p:nvSpPr>
         <p:spPr>
           <a:xfrm>
-            <a:off x="-180528" y="2500306"/>
-            <a:ext cx="9324528" cy="1512888"/>
+            <a:off x="611560" y="2500306"/>
+            <a:ext cx="8532440" cy="1512888"/>
           </a:xfrm>
         </p:spPr>
         <p:txBody>
           <a:bodyPr>
-            <a:normAutofit/>
+            <a:noAutofit/>
           </a:bodyPr>
           <a:lstStyle/>
           <a:p>
+            <a:pPr algn="l"/>
             <a:r>
               <a:rPr lang="ja-JP" altLang="en-US" dirty="0"/>
               <a:t>説明会：</a:t>
@@ -52280,7 +52281,15 @@
             </a:r>
             <a:r>
               <a:rPr lang="ja-JP" altLang="en-US" dirty="0"/>
-              <a:t>セメスタ開始を迎えて</a:t>
+              <a:t>セメスターのオンライン・ハイブリッド授業に向けて </a:t>
+            </a:r>
+            <a:r>
+              <a:rPr lang="en-US" altLang="ja-JP" dirty="0"/>
+              <a:t>― S</a:t>
+            </a:r>
+            <a:r>
+              <a:rPr lang="ja-JP" altLang="en-US"/>
+              <a:t>セメスターを振り返って</a:t>
             </a:r>
             <a:endParaRPr kumimoji="1" lang="ja-JP" altLang="en-US" dirty="0"/>
           </a:p>

--- a/events/2020-09-11/slides/00-index.pptx
+++ b/events/2020-09-11/slides/00-index.pptx
@@ -1,6 +1,6 @@
 
 <file path=ppt/presentation.xml><?xml version="1.0" encoding="utf-8"?>
-<p:presentation xmlns:a="http://schemas.openxmlformats.org/drawingml/2006/main" xmlns:r="http://schemas.openxmlformats.org/officeDocument/2006/relationships" xmlns:p="http://schemas.openxmlformats.org/presentationml/2006/main" showSpecialPlsOnTitleSld="0" saveSubsetFonts="1">
+<p:presentation xmlns:a="http://schemas.openxmlformats.org/drawingml/2006/main" xmlns:r="http://schemas.openxmlformats.org/officeDocument/2006/relationships" xmlns:p="http://schemas.openxmlformats.org/presentationml/2006/main" saveSubsetFonts="1">
   <p:sldMasterIdLst>
     <p:sldMasterId id="2147483660" r:id="rId1"/>
   </p:sldMasterIdLst>
@@ -21684,10 +21684,18 @@
           <a:bodyPr/>
           <a:lstStyle>
             <a:lvl1pPr>
-              <a:defRPr sz="2400"/>
+              <a:defRPr sz="1200"/>
             </a:lvl1pPr>
           </a:lstStyle>
           <a:p>
+            <a:r>
+              <a:rPr kumimoji="1" lang="en-US" altLang="ja-JP" dirty="0"/>
+              <a:t>A</a:t>
+            </a:r>
+            <a:r>
+              <a:rPr kumimoji="1" lang="ja-JP" altLang="en-US" dirty="0"/>
+              <a:t>セメスタ説明会 </a:t>
+            </a:r>
             <a:r>
               <a:rPr kumimoji="1" lang="en-US" altLang="ja-JP" dirty="0"/>
               <a:t>utelecon.github.io</a:t>
@@ -21890,6 +21898,14 @@
           <a:bodyPr/>
           <a:lstStyle/>
           <a:p>
+            <a:r>
+              <a:rPr kumimoji="1" lang="en-US" altLang="ja-JP"/>
+              <a:t>A</a:t>
+            </a:r>
+            <a:r>
+              <a:rPr kumimoji="1" lang="ja-JP" altLang="en-US"/>
+              <a:t>セメスタ説明会 </a:t>
+            </a:r>
             <a:r>
               <a:rPr kumimoji="1" lang="en-US" altLang="ja-JP"/>
               <a:t>utelecon.github.io</a:t>
@@ -22104,6 +22120,14 @@
           <a:p>
             <a:r>
               <a:rPr kumimoji="1" lang="en-US" altLang="ja-JP"/>
+              <a:t>A</a:t>
+            </a:r>
+            <a:r>
+              <a:rPr kumimoji="1" lang="ja-JP" altLang="en-US"/>
+              <a:t>セメスタ説明会 </a:t>
+            </a:r>
+            <a:r>
+              <a:rPr kumimoji="1" lang="en-US" altLang="ja-JP"/>
               <a:t>utelecon.github.io</a:t>
             </a:r>
             <a:endParaRPr kumimoji="1" lang="ja-JP" altLang="en-US"/>
@@ -22304,6 +22328,14 @@
           <a:bodyPr/>
           <a:lstStyle/>
           <a:p>
+            <a:r>
+              <a:rPr kumimoji="1" lang="en-US" altLang="ja-JP"/>
+              <a:t>A</a:t>
+            </a:r>
+            <a:r>
+              <a:rPr kumimoji="1" lang="ja-JP" altLang="en-US"/>
+              <a:t>セメスタ説明会 </a:t>
+            </a:r>
             <a:r>
               <a:rPr kumimoji="1" lang="en-US" altLang="ja-JP"/>
               <a:t>utelecon.github.io</a:t>
@@ -42980,6 +43012,14 @@
           <a:bodyPr/>
           <a:lstStyle/>
           <a:p>
+            <a:r>
+              <a:rPr kumimoji="1" lang="en-US" altLang="ja-JP"/>
+              <a:t>A</a:t>
+            </a:r>
+            <a:r>
+              <a:rPr kumimoji="1" lang="ja-JP" altLang="en-US"/>
+              <a:t>セメスタ説明会 </a:t>
+            </a:r>
             <a:r>
               <a:rPr kumimoji="1" lang="en-US" altLang="ja-JP"/>
               <a:t>utelecon.github.io</a:t>
@@ -43916,6 +43956,14 @@
           <a:p>
             <a:r>
               <a:rPr kumimoji="1" lang="en-US" altLang="ja-JP"/>
+              <a:t>A</a:t>
+            </a:r>
+            <a:r>
+              <a:rPr kumimoji="1" lang="ja-JP" altLang="en-US"/>
+              <a:t>セメスタ説明会 </a:t>
+            </a:r>
+            <a:r>
+              <a:rPr kumimoji="1" lang="en-US" altLang="ja-JP"/>
               <a:t>utelecon.github.io</a:t>
             </a:r>
             <a:endParaRPr kumimoji="1" lang="ja-JP" altLang="en-US"/>
@@ -44402,6 +44450,14 @@
           <a:p>
             <a:r>
               <a:rPr kumimoji="1" lang="en-US" altLang="ja-JP"/>
+              <a:t>A</a:t>
+            </a:r>
+            <a:r>
+              <a:rPr kumimoji="1" lang="ja-JP" altLang="en-US"/>
+              <a:t>セメスタ説明会 </a:t>
+            </a:r>
+            <a:r>
+              <a:rPr kumimoji="1" lang="en-US" altLang="ja-JP"/>
               <a:t>utelecon.github.io</a:t>
             </a:r>
             <a:endParaRPr kumimoji="1" lang="ja-JP" altLang="en-US"/>
@@ -44529,6 +44585,14 @@
           <a:p>
             <a:r>
               <a:rPr kumimoji="1" lang="en-US" altLang="ja-JP"/>
+              <a:t>A</a:t>
+            </a:r>
+            <a:r>
+              <a:rPr kumimoji="1" lang="ja-JP" altLang="en-US"/>
+              <a:t>セメスタ説明会 </a:t>
+            </a:r>
+            <a:r>
+              <a:rPr kumimoji="1" lang="en-US" altLang="ja-JP"/>
               <a:t>utelecon.github.io</a:t>
             </a:r>
             <a:endParaRPr kumimoji="1" lang="ja-JP" altLang="en-US"/>
@@ -44622,6 +44686,14 @@
           <a:bodyPr/>
           <a:lstStyle/>
           <a:p>
+            <a:r>
+              <a:rPr kumimoji="1" lang="en-US" altLang="ja-JP"/>
+              <a:t>A</a:t>
+            </a:r>
+            <a:r>
+              <a:rPr kumimoji="1" lang="ja-JP" altLang="en-US"/>
+              <a:t>セメスタ説明会 </a:t>
+            </a:r>
             <a:r>
               <a:rPr kumimoji="1" lang="en-US" altLang="ja-JP"/>
               <a:t>utelecon.github.io</a:t>
@@ -44994,6 +45066,14 @@
           <a:p>
             <a:r>
               <a:rPr kumimoji="1" lang="en-US" altLang="ja-JP"/>
+              <a:t>A</a:t>
+            </a:r>
+            <a:r>
+              <a:rPr kumimoji="1" lang="ja-JP" altLang="en-US"/>
+              <a:t>セメスタ説明会 </a:t>
+            </a:r>
+            <a:r>
+              <a:rPr kumimoji="1" lang="en-US" altLang="ja-JP"/>
               <a:t>utelecon.github.io</a:t>
             </a:r>
             <a:endParaRPr kumimoji="1" lang="ja-JP" altLang="en-US"/>
@@ -45337,6 +45417,14 @@
           <a:p>
             <a:r>
               <a:rPr kumimoji="1" lang="en-US" altLang="ja-JP"/>
+              <a:t>A</a:t>
+            </a:r>
+            <a:r>
+              <a:rPr kumimoji="1" lang="ja-JP" altLang="en-US"/>
+              <a:t>セメスタ説明会 </a:t>
+            </a:r>
+            <a:r>
+              <a:rPr kumimoji="1" lang="en-US" altLang="ja-JP"/>
               <a:t>utelecon.github.io</a:t>
             </a:r>
             <a:endParaRPr kumimoji="1" lang="ja-JP" altLang="en-US"/>
@@ -51840,7 +51928,7 @@
           <a:bodyPr vert="horz" rtlCol="0" anchor="ctr"/>
           <a:lstStyle>
             <a:lvl1pPr algn="ctr" eaLnBrk="1" latinLnBrk="0" hangingPunct="1">
-              <a:defRPr kumimoji="0" sz="2400">
+              <a:defRPr kumimoji="0" sz="1200" baseline="0">
                 <a:solidFill>
                   <a:schemeClr val="tx2"/>
                 </a:solidFill>
@@ -51848,6 +51936,14 @@
             </a:lvl1pPr>
           </a:lstStyle>
           <a:p>
+            <a:r>
+              <a:rPr kumimoji="1" lang="en-US" altLang="ja-JP" dirty="0"/>
+              <a:t>A</a:t>
+            </a:r>
+            <a:r>
+              <a:rPr kumimoji="1" lang="ja-JP" altLang="en-US" dirty="0"/>
+              <a:t>セメスタ説明会 </a:t>
+            </a:r>
             <a:r>
               <a:rPr kumimoji="1" lang="en-US" altLang="ja-JP" dirty="0"/>
               <a:t>utelecon.github.io</a:t>
@@ -52308,14 +52404,14 @@
         <p:spPr/>
         <p:txBody>
           <a:bodyPr>
-            <a:normAutofit fontScale="77500" lnSpcReduction="20000"/>
+            <a:normAutofit fontScale="55000" lnSpcReduction="20000"/>
           </a:bodyPr>
           <a:lstStyle/>
           <a:p>
             <a:pPr algn="l"/>
             <a:r>
               <a:rPr kumimoji="1" lang="ja-JP" altLang="en-US" dirty="0"/>
-              <a:t>情報基盤センター </a:t>
+              <a:t>情報基盤センター 　　　　　</a:t>
             </a:r>
             <a:r>
               <a:rPr kumimoji="1" lang="ja-JP" altLang="en-US" u="sng" dirty="0"/>
@@ -52327,7 +52423,7 @@
             <a:pPr algn="l"/>
             <a:r>
               <a:rPr lang="ja-JP" altLang="en-US" dirty="0"/>
-              <a:t>情報基盤センター 柴山悦哉</a:t>
+              <a:t>情報基盤センター 　　　　　柴山悦哉</a:t>
             </a:r>
             <a:endParaRPr lang="en-US" altLang="ja-JP" dirty="0"/>
           </a:p>
@@ -52335,8 +52431,112 @@
             <a:pPr algn="l"/>
             <a:r>
               <a:rPr kumimoji="1" lang="ja-JP" altLang="en-US" dirty="0"/>
-              <a:t>大学総合教育研究センター 吉田塁</a:t>
+              <a:t>大学総合教育研究センター 　吉田塁</a:t>
             </a:r>
+            <a:endParaRPr kumimoji="1" lang="en-US" altLang="ja-JP" dirty="0"/>
+          </a:p>
+          <a:p>
+            <a:pPr algn="l"/>
+            <a:r>
+              <a:rPr kumimoji="1" lang="ja-JP" altLang="en-US" dirty="0"/>
+              <a:t>情報システム本部 　　　　　玉造潤二</a:t>
+            </a:r>
+          </a:p>
+        </p:txBody>
+      </p:sp>
+      <p:sp>
+        <p:nvSpPr>
+          <p:cNvPr id="4" name="日付プレースホルダー 3">
+            <a:extLst>
+              <a:ext uri="{FF2B5EF4-FFF2-40B4-BE49-F238E27FC236}">
+                <a16:creationId xmlns:a16="http://schemas.microsoft.com/office/drawing/2014/main" id="{D1D9129F-7FEA-4C29-B2BE-CBA235822AFD}"/>
+              </a:ext>
+            </a:extLst>
+          </p:cNvPr>
+          <p:cNvSpPr>
+            <a:spLocks noGrp="1"/>
+          </p:cNvSpPr>
+          <p:nvPr>
+            <p:ph type="dt" sz="half" idx="10"/>
+          </p:nvPr>
+        </p:nvSpPr>
+        <p:spPr/>
+        <p:txBody>
+          <a:bodyPr/>
+          <a:lstStyle/>
+          <a:p>
+            <a:r>
+              <a:rPr kumimoji="1" lang="en-US" altLang="ja-JP"/>
+              <a:t>2020/9/11</a:t>
+            </a:r>
+            <a:endParaRPr kumimoji="1" lang="ja-JP" altLang="en-US"/>
+          </a:p>
+        </p:txBody>
+      </p:sp>
+      <p:sp>
+        <p:nvSpPr>
+          <p:cNvPr id="5" name="フッター プレースホルダー 4">
+            <a:extLst>
+              <a:ext uri="{FF2B5EF4-FFF2-40B4-BE49-F238E27FC236}">
+                <a16:creationId xmlns:a16="http://schemas.microsoft.com/office/drawing/2014/main" id="{3DB8B697-4FCB-455E-AF38-798AA9A464BD}"/>
+              </a:ext>
+            </a:extLst>
+          </p:cNvPr>
+          <p:cNvSpPr>
+            <a:spLocks noGrp="1"/>
+          </p:cNvSpPr>
+          <p:nvPr>
+            <p:ph type="ftr" sz="quarter" idx="11"/>
+          </p:nvPr>
+        </p:nvSpPr>
+        <p:spPr/>
+        <p:txBody>
+          <a:bodyPr/>
+          <a:lstStyle/>
+          <a:p>
+            <a:r>
+              <a:rPr kumimoji="1" lang="en-US" altLang="ja-JP"/>
+              <a:t>A</a:t>
+            </a:r>
+            <a:r>
+              <a:rPr kumimoji="1" lang="ja-JP" altLang="en-US"/>
+              <a:t>セメスタ説明会 </a:t>
+            </a:r>
+            <a:r>
+              <a:rPr kumimoji="1" lang="en-US" altLang="ja-JP"/>
+              <a:t>utelecon.github.io</a:t>
+            </a:r>
+            <a:endParaRPr kumimoji="1" lang="ja-JP" altLang="en-US" dirty="0"/>
+          </a:p>
+        </p:txBody>
+      </p:sp>
+      <p:sp>
+        <p:nvSpPr>
+          <p:cNvPr id="6" name="スライド番号プレースホルダー 5">
+            <a:extLst>
+              <a:ext uri="{FF2B5EF4-FFF2-40B4-BE49-F238E27FC236}">
+                <a16:creationId xmlns:a16="http://schemas.microsoft.com/office/drawing/2014/main" id="{8E5C2785-4AAA-482D-B280-0208BE1D9C10}"/>
+              </a:ext>
+            </a:extLst>
+          </p:cNvPr>
+          <p:cNvSpPr>
+            <a:spLocks noGrp="1"/>
+          </p:cNvSpPr>
+          <p:nvPr>
+            <p:ph type="sldNum" sz="quarter" idx="12"/>
+          </p:nvPr>
+        </p:nvSpPr>
+        <p:spPr/>
+        <p:txBody>
+          <a:bodyPr/>
+          <a:lstStyle/>
+          <a:p>
+            <a:fld id="{EDF77D8D-9987-453A-9A05-EB91CA595C68}" type="slidenum">
+              <a:rPr kumimoji="1" lang="ja-JP" altLang="en-US" smtClean="0"/>
+              <a:pPr/>
+              <a:t>1</a:t>
+            </a:fld>
+            <a:endParaRPr kumimoji="1" lang="ja-JP" altLang="en-US"/>
           </a:p>
         </p:txBody>
       </p:sp>
@@ -52448,6 +52648,14 @@
           <a:bodyPr/>
           <a:lstStyle/>
           <a:p>
+            <a:r>
+              <a:rPr kumimoji="1" lang="en-US" altLang="ja-JP"/>
+              <a:t>A</a:t>
+            </a:r>
+            <a:r>
+              <a:rPr kumimoji="1" lang="ja-JP" altLang="en-US"/>
+              <a:t>セメスタ説明会 </a:t>
+            </a:r>
             <a:r>
               <a:rPr kumimoji="1" lang="en-US" altLang="ja-JP"/>
               <a:t>utelecon.github.io</a:t>
@@ -52589,6 +52797,14 @@
           <a:bodyPr/>
           <a:lstStyle/>
           <a:p>
+            <a:r>
+              <a:rPr kumimoji="1" lang="en-US" altLang="ja-JP"/>
+              <a:t>A</a:t>
+            </a:r>
+            <a:r>
+              <a:rPr kumimoji="1" lang="ja-JP" altLang="en-US"/>
+              <a:t>セメスタ説明会 </a:t>
+            </a:r>
             <a:r>
               <a:rPr kumimoji="1" lang="en-US" altLang="ja-JP"/>
               <a:t>utelecon.github.io</a:t>

--- a/events/2020-09-11/slides/00-index.pptx
+++ b/events/2020-09-11/slides/00-index.pptx
@@ -52439,8 +52439,17 @@
             <a:pPr algn="l"/>
             <a:r>
               <a:rPr kumimoji="1" lang="ja-JP" altLang="en-US" dirty="0"/>
-              <a:t>情報システム本部 　　　　　玉造潤二</a:t>
+              <a:t>情報システム本部 　　　　　</a:t>
             </a:r>
+            <a:r>
+              <a:rPr kumimoji="1" lang="ja-JP" altLang="en-US"/>
+              <a:t>玉造潤</a:t>
+            </a:r>
+            <a:r>
+              <a:rPr lang="ja-JP" altLang="en-US"/>
+              <a:t>史</a:t>
+            </a:r>
+            <a:endParaRPr kumimoji="1" lang="ja-JP" altLang="en-US" dirty="0"/>
           </a:p>
         </p:txBody>
       </p:sp>

--- a/events/2020-09-11/slides/00-index.pptx
+++ b/events/2020-09-11/slides/00-index.pptx
@@ -225,7 +225,7 @@
             <a:fld id="{35305EB0-020F-4995-961E-A35B2BB78D2B}" type="datetimeFigureOut">
               <a:rPr kumimoji="1" lang="ja-JP" altLang="en-US" smtClean="0"/>
               <a:pPr/>
-              <a:t>2020/9/4</a:t>
+              <a:t>2020/9/5</a:t>
             </a:fld>
             <a:endParaRPr kumimoji="1" lang="ja-JP" altLang="en-US"/>
           </a:p>
@@ -52733,12 +52733,22 @@
         </p:nvSpPr>
         <p:spPr/>
         <p:txBody>
-          <a:bodyPr/>
+          <a:bodyPr>
+            <a:normAutofit/>
+          </a:bodyPr>
           <a:lstStyle/>
           <a:p>
             <a:r>
+              <a:rPr lang="ja-JP" altLang="en-US"/>
+              <a:t>本日</a:t>
+            </a:r>
+            <a:r>
+              <a:rPr kumimoji="1" lang="ja-JP" altLang="en-US"/>
+              <a:t>説明</a:t>
+            </a:r>
+            <a:r>
               <a:rPr kumimoji="1" lang="ja-JP" altLang="en-US" dirty="0"/>
-              <a:t>議題</a:t>
+              <a:t>する内容</a:t>
             </a:r>
           </a:p>
         </p:txBody>
@@ -52762,7 +52772,250 @@
           <a:p>
             <a:r>
               <a:rPr lang="en-US" altLang="ja-JP" dirty="0"/>
-              <a:t>1. </a:t>
+              <a:t>1.</a:t>
+            </a:r>
+            <a:r>
+              <a:rPr lang="ja-JP" altLang="en-US" dirty="0"/>
+              <a:t>授業に必要な</a:t>
+            </a:r>
+            <a:r>
+              <a:rPr lang="en-US" altLang="ja-JP" dirty="0"/>
+              <a:t>ICT</a:t>
+            </a:r>
+            <a:r>
+              <a:rPr lang="ja-JP" altLang="en-US" dirty="0"/>
+              <a:t>システムの概要</a:t>
+            </a:r>
+            <a:r>
+              <a:rPr lang="ja-JP" altLang="en-US" sz="2000" dirty="0"/>
+              <a:t> </a:t>
+            </a:r>
+            <a:r>
+              <a:rPr kumimoji="1" lang="en-US" altLang="ja-JP" sz="2000" dirty="0"/>
+              <a:t>(</a:t>
+            </a:r>
+            <a:r>
+              <a:rPr kumimoji="1" lang="ja-JP" altLang="en-US" sz="2000" dirty="0"/>
+              <a:t>田浦</a:t>
+            </a:r>
+            <a:r>
+              <a:rPr kumimoji="1" lang="en-US" altLang="ja-JP" sz="2000" dirty="0"/>
+              <a:t>; 20</a:t>
+            </a:r>
+            <a:r>
+              <a:rPr kumimoji="1" lang="ja-JP" altLang="en-US" sz="2000" dirty="0"/>
+              <a:t>分</a:t>
+            </a:r>
+            <a:r>
+              <a:rPr kumimoji="1" lang="en-US" altLang="ja-JP" sz="2000" dirty="0"/>
+              <a:t>)</a:t>
+            </a:r>
+            <a:r>
+              <a:rPr kumimoji="1" lang="en-US" altLang="ja-JP" dirty="0"/>
+              <a:t> </a:t>
+            </a:r>
+            <a:endParaRPr lang="en-US" altLang="ja-JP" dirty="0"/>
+          </a:p>
+          <a:p>
+            <a:r>
+              <a:rPr kumimoji="1" lang="en-US" altLang="ja-JP" dirty="0"/>
+              <a:t>2. S</a:t>
+            </a:r>
+            <a:r>
+              <a:rPr kumimoji="1" lang="ja-JP" altLang="en-US" dirty="0"/>
+              <a:t>セメスタの振り返り</a:t>
+            </a:r>
+            <a:r>
+              <a:rPr kumimoji="1" lang="ja-JP" altLang="en-US" sz="2000" dirty="0"/>
+              <a:t> </a:t>
+            </a:r>
+            <a:r>
+              <a:rPr kumimoji="1" lang="en-US" altLang="ja-JP" sz="2000" dirty="0"/>
+              <a:t>(</a:t>
+            </a:r>
+            <a:r>
+              <a:rPr kumimoji="1" lang="ja-JP" altLang="en-US" sz="2000" dirty="0"/>
+              <a:t>田浦</a:t>
+            </a:r>
+            <a:r>
+              <a:rPr kumimoji="1" lang="en-US" altLang="ja-JP" sz="2000" dirty="0"/>
+              <a:t>; 15</a:t>
+            </a:r>
+            <a:r>
+              <a:rPr kumimoji="1" lang="ja-JP" altLang="en-US" sz="2000" dirty="0"/>
+              <a:t>分</a:t>
+            </a:r>
+            <a:r>
+              <a:rPr kumimoji="1" lang="en-US" altLang="ja-JP" sz="2000" dirty="0"/>
+              <a:t>)</a:t>
+            </a:r>
+            <a:endParaRPr kumimoji="1" lang="en-US" altLang="ja-JP" dirty="0"/>
+          </a:p>
+          <a:p>
+            <a:r>
+              <a:rPr kumimoji="1" lang="en-US" altLang="ja-JP" dirty="0"/>
+              <a:t>3. </a:t>
+            </a:r>
+            <a:r>
+              <a:rPr kumimoji="1" lang="ja-JP" altLang="en-US" dirty="0"/>
+              <a:t>教育用</a:t>
+            </a:r>
+            <a:r>
+              <a:rPr kumimoji="1" lang="en-US" altLang="ja-JP" dirty="0"/>
+              <a:t>ICT</a:t>
+            </a:r>
+            <a:r>
+              <a:rPr kumimoji="1" lang="ja-JP" altLang="en-US" dirty="0"/>
+              <a:t>システムの活用</a:t>
+            </a:r>
+            <a:r>
+              <a:rPr kumimoji="1" lang="ja-JP" altLang="en-US" sz="2000" dirty="0"/>
+              <a:t> </a:t>
+            </a:r>
+            <a:r>
+              <a:rPr kumimoji="1" lang="en-US" altLang="ja-JP" sz="2000" dirty="0"/>
+              <a:t>(</a:t>
+            </a:r>
+            <a:r>
+              <a:rPr kumimoji="1" lang="ja-JP" altLang="en-US" sz="2000" dirty="0"/>
+              <a:t>柴山</a:t>
+            </a:r>
+            <a:r>
+              <a:rPr kumimoji="1" lang="en-US" altLang="ja-JP" sz="2000" dirty="0"/>
+              <a:t>; 20</a:t>
+            </a:r>
+            <a:r>
+              <a:rPr kumimoji="1" lang="ja-JP" altLang="en-US" sz="2000" dirty="0"/>
+              <a:t>分</a:t>
+            </a:r>
+            <a:r>
+              <a:rPr kumimoji="1" lang="en-US" altLang="ja-JP" sz="2000" dirty="0"/>
+              <a:t>)</a:t>
+            </a:r>
+            <a:endParaRPr lang="en-US" altLang="ja-JP" dirty="0"/>
+          </a:p>
+          <a:p>
+            <a:r>
+              <a:rPr kumimoji="1" lang="en-US" altLang="ja-JP" dirty="0"/>
+              <a:t>4. </a:t>
+            </a:r>
+            <a:r>
+              <a:rPr kumimoji="1" lang="ja-JP" altLang="en-US" dirty="0"/>
+              <a:t>各種授業形式とポイント</a:t>
+            </a:r>
+            <a:r>
+              <a:rPr kumimoji="1" lang="ja-JP" altLang="en-US" sz="2000" dirty="0"/>
+              <a:t> </a:t>
+            </a:r>
+            <a:r>
+              <a:rPr kumimoji="1" lang="en-US" altLang="ja-JP" sz="2000" dirty="0"/>
+              <a:t>(</a:t>
+            </a:r>
+            <a:r>
+              <a:rPr lang="ja-JP" altLang="en-US" sz="2000" dirty="0"/>
+              <a:t>吉田</a:t>
+            </a:r>
+            <a:r>
+              <a:rPr kumimoji="1" lang="en-US" altLang="ja-JP" sz="2000" dirty="0"/>
+              <a:t>; 20</a:t>
+            </a:r>
+            <a:r>
+              <a:rPr kumimoji="1" lang="ja-JP" altLang="en-US" sz="2000" dirty="0"/>
+              <a:t>分</a:t>
+            </a:r>
+            <a:r>
+              <a:rPr kumimoji="1" lang="en-US" altLang="ja-JP" sz="2000" dirty="0"/>
+              <a:t>)</a:t>
+            </a:r>
+            <a:endParaRPr kumimoji="1" lang="en-US" altLang="ja-JP" dirty="0"/>
+          </a:p>
+          <a:p>
+            <a:r>
+              <a:rPr kumimoji="1" lang="en-US" altLang="ja-JP" dirty="0"/>
+              <a:t>5. </a:t>
+            </a:r>
+            <a:r>
+              <a:rPr lang="ja-JP" altLang="en-US" dirty="0"/>
+              <a:t>各種</a:t>
+            </a:r>
+            <a:r>
+              <a:rPr kumimoji="1" lang="ja-JP" altLang="en-US" dirty="0"/>
+              <a:t>サポータ制度</a:t>
+            </a:r>
+            <a:r>
+              <a:rPr kumimoji="1" lang="ja-JP" altLang="en-US" sz="2000" dirty="0"/>
+              <a:t> </a:t>
+            </a:r>
+            <a:r>
+              <a:rPr kumimoji="1" lang="en-US" altLang="ja-JP" sz="2000" dirty="0"/>
+              <a:t>(</a:t>
+            </a:r>
+            <a:r>
+              <a:rPr lang="ja-JP" altLang="en-US" sz="2000" dirty="0"/>
+              <a:t>吉田</a:t>
+            </a:r>
+            <a:r>
+              <a:rPr kumimoji="1" lang="en-US" altLang="ja-JP" sz="2000" dirty="0"/>
+              <a:t>; 5</a:t>
+            </a:r>
+            <a:r>
+              <a:rPr kumimoji="1" lang="ja-JP" altLang="en-US" sz="2000" dirty="0"/>
+              <a:t>分</a:t>
+            </a:r>
+            <a:r>
+              <a:rPr kumimoji="1" lang="en-US" altLang="ja-JP" sz="2000" dirty="0"/>
+              <a:t>)</a:t>
+            </a:r>
+            <a:endParaRPr lang="en-US" altLang="ja-JP" dirty="0"/>
+          </a:p>
+          <a:p>
+            <a:r>
+              <a:rPr kumimoji="1" lang="en-US" altLang="ja-JP" dirty="0"/>
+              <a:t>6. </a:t>
+            </a:r>
+            <a:r>
+              <a:rPr kumimoji="1" lang="ja-JP" altLang="en-US" dirty="0"/>
+              <a:t>キャンパス</a:t>
+            </a:r>
+            <a:r>
+              <a:rPr kumimoji="1" lang="en-US" altLang="ja-JP" dirty="0" err="1"/>
+              <a:t>WiFi</a:t>
+            </a:r>
+            <a:r>
+              <a:rPr kumimoji="1" lang="en-US" altLang="ja-JP" dirty="0"/>
+              <a:t> (</a:t>
+            </a:r>
+            <a:r>
+              <a:rPr kumimoji="1" lang="en-US" altLang="ja-JP" dirty="0" err="1"/>
+              <a:t>UTokyo-Wifi</a:t>
+            </a:r>
+            <a:r>
+              <a:rPr kumimoji="1" lang="en-US" altLang="ja-JP" dirty="0"/>
+              <a:t>)</a:t>
+            </a:r>
+            <a:r>
+              <a:rPr kumimoji="1" lang="ja-JP" altLang="en-US" dirty="0"/>
+              <a:t>について</a:t>
+            </a:r>
+            <a:r>
+              <a:rPr kumimoji="1" lang="en-US" altLang="ja-JP" sz="2000" dirty="0"/>
+              <a:t>(</a:t>
+            </a:r>
+            <a:r>
+              <a:rPr lang="ja-JP" altLang="en-US" sz="2000" dirty="0"/>
+              <a:t>玉造</a:t>
+            </a:r>
+            <a:r>
+              <a:rPr kumimoji="1" lang="en-US" altLang="ja-JP" sz="2000" dirty="0"/>
+              <a:t>; 10</a:t>
+            </a:r>
+            <a:r>
+              <a:rPr kumimoji="1" lang="ja-JP" altLang="en-US" sz="2000" dirty="0"/>
+              <a:t>分</a:t>
+            </a:r>
+            <a:r>
+              <a:rPr kumimoji="1" lang="en-US" altLang="ja-JP" sz="2000" dirty="0"/>
+              <a:t>)</a:t>
             </a:r>
             <a:endParaRPr kumimoji="1" lang="ja-JP" altLang="en-US" dirty="0"/>
           </a:p>

--- a/events/2020-09-11/slides/00-index.pptx
+++ b/events/2020-09-11/slides/00-index.pptx
@@ -225,7 +225,7 @@
             <a:fld id="{35305EB0-020F-4995-961E-A35B2BB78D2B}" type="datetimeFigureOut">
               <a:rPr kumimoji="1" lang="ja-JP" altLang="en-US" smtClean="0"/>
               <a:pPr/>
-              <a:t>2020/9/5</a:t>
+              <a:t>2020/9/8</a:t>
             </a:fld>
             <a:endParaRPr kumimoji="1" lang="ja-JP" altLang="en-US"/>
           </a:p>
@@ -52590,10 +52590,9 @@
           <a:lstStyle/>
           <a:p>
             <a:r>
-              <a:rPr lang="ja-JP" altLang="en-US" dirty="0"/>
-              <a:t>趣旨</a:t>
+              <a:rPr kumimoji="1" lang="ja-JP" altLang="en-US" dirty="0"/>
+              <a:t>はじめに</a:t>
             </a:r>
-            <a:endParaRPr kumimoji="1" lang="ja-JP" altLang="en-US" dirty="0"/>
           </a:p>
         </p:txBody>
       </p:sp>
@@ -52610,10 +52609,71 @@
         <p:spPr/>
         <p:txBody>
           <a:bodyPr>
-            <a:normAutofit/>
+            <a:normAutofit fontScale="92500" lnSpcReduction="10000"/>
           </a:bodyPr>
           <a:lstStyle/>
           <a:p>
+            <a:r>
+              <a:rPr lang="en-US" altLang="ja-JP" dirty="0"/>
+              <a:t>S</a:t>
+            </a:r>
+            <a:r>
+              <a:rPr lang="ja-JP" altLang="en-US" dirty="0"/>
+              <a:t>セメスタにオンライン授業にご対応いただいた先生方（おそらくほとんどの先生は初めて）ありがとうございました</a:t>
+            </a:r>
+            <a:endParaRPr lang="en-US" altLang="ja-JP" dirty="0"/>
+          </a:p>
+          <a:p>
+            <a:r>
+              <a:rPr kumimoji="1" lang="ja-JP" altLang="en-US" dirty="0"/>
+              <a:t>本日は</a:t>
+            </a:r>
+            <a:endParaRPr kumimoji="1" lang="en-US" altLang="ja-JP" dirty="0"/>
+          </a:p>
+          <a:p>
+            <a:pPr lvl="1"/>
+            <a:r>
+              <a:rPr kumimoji="1" lang="en-US" altLang="ja-JP" dirty="0"/>
+              <a:t>A</a:t>
+            </a:r>
+            <a:r>
+              <a:rPr kumimoji="1" lang="ja-JP" altLang="en-US" dirty="0"/>
+              <a:t>セメスタが初めてのオンライン授業という先生方へ改めての情報整理</a:t>
+            </a:r>
+            <a:endParaRPr kumimoji="1" lang="en-US" altLang="ja-JP" dirty="0"/>
+          </a:p>
+          <a:p>
+            <a:pPr lvl="1"/>
+            <a:r>
+              <a:rPr kumimoji="1" lang="en-US" altLang="ja-JP" dirty="0"/>
+              <a:t>S</a:t>
+            </a:r>
+            <a:r>
+              <a:rPr kumimoji="1" lang="ja-JP" altLang="en-US" dirty="0"/>
+              <a:t>セメスタの振り返り</a:t>
+            </a:r>
+            <a:endParaRPr kumimoji="1" lang="en-US" altLang="ja-JP" dirty="0"/>
+          </a:p>
+          <a:p>
+            <a:pPr lvl="1"/>
+            <a:r>
+              <a:rPr kumimoji="1" lang="en-US" altLang="ja-JP" dirty="0"/>
+              <a:t>A</a:t>
+            </a:r>
+            <a:r>
+              <a:rPr kumimoji="1" lang="ja-JP" altLang="en-US" dirty="0"/>
+              <a:t>セメスタ固有の情報</a:t>
+            </a:r>
+            <a:endParaRPr kumimoji="1" lang="en-US" altLang="ja-JP" dirty="0"/>
+          </a:p>
+          <a:p>
+            <a:pPr marL="457200" lvl="1" indent="0">
+              <a:buNone/>
+            </a:pPr>
+            <a:r>
+              <a:rPr kumimoji="1" lang="ja-JP" altLang="en-US" dirty="0"/>
+              <a:t>を提供しつつ、質問、課題共有を行いたいと思います</a:t>
+            </a:r>
             <a:endParaRPr kumimoji="1" lang="en-US" altLang="ja-JP" dirty="0"/>
           </a:p>
         </p:txBody>
@@ -52982,20 +53042,16 @@
               <a:t>WiFi</a:t>
             </a:r>
             <a:r>
-              <a:rPr kumimoji="1" lang="en-US" altLang="ja-JP" dirty="0"/>
-              <a:t> (</a:t>
+              <a:rPr kumimoji="1" lang="ja-JP" altLang="en-US" dirty="0"/>
+              <a:t>（</a:t>
             </a:r>
             <a:r>
               <a:rPr kumimoji="1" lang="en-US" altLang="ja-JP" dirty="0" err="1"/>
               <a:t>UTokyo-Wifi</a:t>
             </a:r>
             <a:r>
-              <a:rPr kumimoji="1" lang="en-US" altLang="ja-JP" dirty="0"/>
-              <a:t>)</a:t>
-            </a:r>
-            <a:r>
               <a:rPr kumimoji="1" lang="ja-JP" altLang="en-US" dirty="0"/>
-              <a:t>について</a:t>
+              <a:t>）について</a:t>
             </a:r>
             <a:r>
               <a:rPr kumimoji="1" lang="en-US" altLang="ja-JP" sz="2000" dirty="0"/>

--- a/events/2020-09-11/slides/00-index.pptx
+++ b/events/2020-09-11/slides/00-index.pptx
@@ -225,7 +225,7 @@
             <a:fld id="{35305EB0-020F-4995-961E-A35B2BB78D2B}" type="datetimeFigureOut">
               <a:rPr kumimoji="1" lang="ja-JP" altLang="en-US" smtClean="0"/>
               <a:pPr/>
-              <a:t>2020/9/8</a:t>
+              <a:t>2020/9/11</a:t>
             </a:fld>
             <a:endParaRPr kumimoji="1" lang="ja-JP" altLang="en-US"/>
           </a:p>
@@ -52672,7 +52672,15 @@
             </a:pPr>
             <a:r>
               <a:rPr kumimoji="1" lang="ja-JP" altLang="en-US" dirty="0"/>
-              <a:t>を提供しつつ、質問、課題共有を行いたいと思います</a:t>
+              <a:t>を提供しつつ</a:t>
+            </a:r>
+            <a:r>
+              <a:rPr kumimoji="1" lang="ja-JP" altLang="en-US"/>
+              <a:t>、質問受付、</a:t>
+            </a:r>
+            <a:r>
+              <a:rPr kumimoji="1" lang="ja-JP" altLang="en-US" dirty="0"/>
+              <a:t>課題共有を行いたいと思います</a:t>
             </a:r>
             <a:endParaRPr kumimoji="1" lang="en-US" altLang="ja-JP" dirty="0"/>
           </a:p>

--- a/events/2020-09-11/slides/00-index.pptx
+++ b/events/2020-09-11/slides/00-index.pptx
@@ -52907,7 +52907,11 @@
             </a:r>
             <a:r>
               <a:rPr kumimoji="1" lang="en-US" altLang="ja-JP" sz="2000" dirty="0"/>
-              <a:t>; 15</a:t>
+              <a:t>; </a:t>
+            </a:r>
+            <a:r>
+              <a:rPr lang="en-US" altLang="ja-JP" sz="2000" dirty="0"/>
+              <a:t>20</a:t>
             </a:r>
             <a:r>
               <a:rPr kumimoji="1" lang="ja-JP" altLang="en-US" sz="2000" dirty="0"/>
@@ -52950,7 +52954,7 @@
             </a:r>
             <a:r>
               <a:rPr kumimoji="1" lang="en-US" altLang="ja-JP" sz="2000" dirty="0"/>
-              <a:t>; 20</a:t>
+              <a:t>; 25</a:t>
             </a:r>
             <a:r>
               <a:rPr kumimoji="1" lang="ja-JP" altLang="en-US" sz="2000" dirty="0"/>
@@ -52985,7 +52989,7 @@
             </a:r>
             <a:r>
               <a:rPr kumimoji="1" lang="en-US" altLang="ja-JP" sz="2000" dirty="0"/>
-              <a:t>; 20</a:t>
+              <a:t>; 25</a:t>
             </a:r>
             <a:r>
               <a:rPr kumimoji="1" lang="ja-JP" altLang="en-US" sz="2000" dirty="0"/>

--- a/events/2020-09-11/slides/00-index.pptx
+++ b/events/2020-09-11/slides/00-index.pptx
@@ -52549,6 +52549,42 @@
           </a:p>
         </p:txBody>
       </p:sp>
+      <p:pic>
+        <p:nvPicPr>
+          <p:cNvPr id="8" name="Picture 7" descr="A close up of text on a white surface&#10;&#10;Description automatically generated">
+            <a:extLst>
+              <a:ext uri="{FF2B5EF4-FFF2-40B4-BE49-F238E27FC236}">
+                <a16:creationId xmlns:a16="http://schemas.microsoft.com/office/drawing/2014/main" id="{2AA54749-F52A-415D-98C0-2A38333407BD}"/>
+              </a:ext>
+            </a:extLst>
+          </p:cNvPr>
+          <p:cNvPicPr>
+            <a:picLocks noChangeAspect="1"/>
+          </p:cNvPicPr>
+          <p:nvPr/>
+        </p:nvPicPr>
+        <p:blipFill>
+          <a:blip r:embed="rId2">
+            <a:extLst>
+              <a:ext uri="{28A0092B-C50C-407E-A947-70E740481C1C}">
+                <a14:useLocalDpi xmlns:a14="http://schemas.microsoft.com/office/drawing/2010/main" val="0"/>
+              </a:ext>
+            </a:extLst>
+          </a:blip>
+          <a:stretch>
+            <a:fillRect/>
+          </a:stretch>
+        </p:blipFill>
+        <p:spPr>
+          <a:xfrm>
+            <a:off x="6574444" y="4013493"/>
+            <a:ext cx="2342857" cy="2342857"/>
+          </a:xfrm>
+          <a:prstGeom prst="rect">
+            <a:avLst/>
+          </a:prstGeom>
+        </p:spPr>
+      </p:pic>
     </p:spTree>
   </p:cSld>
   <p:clrMapOvr>

--- a/events/2020-09-11/slides/00-index.pptx
+++ b/events/2020-09-11/slides/00-index.pptx
@@ -52384,8 +52384,22 @@
               <a:t>― S</a:t>
             </a:r>
             <a:r>
-              <a:rPr lang="ja-JP" altLang="en-US"/>
+              <a:rPr lang="ja-JP" altLang="en-US" dirty="0"/>
               <a:t>セメスターを振り返って</a:t>
+            </a:r>
+            <a:br>
+              <a:rPr lang="en-US" altLang="ja-JP"/>
+            </a:br>
+            <a:br>
+              <a:rPr lang="en-US" altLang="ja-JP"/>
+            </a:br>
+            <a:r>
+              <a:rPr lang="en-US" altLang="ja-JP"/>
+              <a:t>15:00</a:t>
+            </a:r>
+            <a:r>
+              <a:rPr lang="ja-JP" altLang="en-US" dirty="0"/>
+              <a:t>～</a:t>
             </a:r>
             <a:endParaRPr kumimoji="1" lang="ja-JP" altLang="en-US" dirty="0"/>
           </a:p>
